--- a/Assignments_Quizzes/Guitar Lessons/week 2/week 2 v1.pptx
+++ b/Assignments_Quizzes/Guitar Lessons/week 2/week 2 v1.pptx
@@ -18,7 +18,7 @@
     <p:sldId id="286" r:id="rId12"/>
     <p:sldId id="285" r:id="rId13"/>
     <p:sldId id="289" r:id="rId14"/>
-    <p:sldId id="288" r:id="rId15"/>
+    <p:sldId id="290" r:id="rId15"/>
   </p:sldIdLst>
   <p:sldSz cx="9144000" cy="6858000" type="screen4x3"/>
   <p:notesSz cx="6858000" cy="9144000"/>
@@ -119,7 +119,7 @@
   </p:defaultTextStyle>
   <p:extLst>
     <p:ext uri="{EFAFB233-063F-42B5-8137-9DF3F51BA10A}">
-      <p15:sldGuideLst xmlns:p15="http://schemas.microsoft.com/office/powerpoint/2012/main" xmlns="">
+      <p15:sldGuideLst xmlns="" xmlns:p15="http://schemas.microsoft.com/office/powerpoint/2012/main">
         <p15:guide id="1" orient="horz" pos="2160">
           <p15:clr>
             <a:srgbClr val="A4A3A4"/>
@@ -196,7 +196,7 @@
             <a:fld id="{2233D26B-DFC2-4248-8ED0-AD3E108CBDD7}" type="datetime1">
               <a:rPr lang="en-US" smtClean="0"/>
               <a:pPr/>
-              <a:t>2/11/18</a:t>
+              <a:t>2/14/18</a:t>
             </a:fld>
             <a:endParaRPr lang="en-US"/>
           </a:p>
@@ -513,7 +513,7 @@
             <a:fld id="{E694C003-38E8-486A-9BFD-47E55D87241C}" type="datetime1">
               <a:rPr lang="en-US" smtClean="0"/>
               <a:pPr/>
-              <a:t>2/11/18</a:t>
+              <a:t>2/14/18</a:t>
             </a:fld>
             <a:endParaRPr lang="en-US"/>
           </a:p>
@@ -689,7 +689,7 @@
             <a:fld id="{E059EAA3-934B-41DB-B3B1-806F4BE5CC37}" type="datetime1">
               <a:rPr lang="en-US" smtClean="0"/>
               <a:pPr/>
-              <a:t>2/11/18</a:t>
+              <a:t>2/14/18</a:t>
             </a:fld>
             <a:endParaRPr lang="en-US"/>
           </a:p>
@@ -809,7 +809,7 @@
             <a:fld id="{8F97F932-D99A-4087-BFB1-EA42FAFC8D2C}" type="datetime1">
               <a:rPr lang="en-US" smtClean="0"/>
               <a:pPr/>
-              <a:t>2/11/18</a:t>
+              <a:t>2/14/18</a:t>
             </a:fld>
             <a:endParaRPr lang="en-US"/>
           </a:p>
@@ -1109,7 +1109,7 @@
             <a:fld id="{79C96367-2F2B-4F6E-ACF4-15FA13738E10}" type="datetime1">
               <a:rPr lang="en-US" smtClean="0"/>
               <a:pPr/>
-              <a:t>2/11/18</a:t>
+              <a:t>2/14/18</a:t>
             </a:fld>
             <a:endParaRPr lang="en-US"/>
           </a:p>
@@ -1404,7 +1404,7 @@
             <a:fld id="{8FB3498D-21C7-408B-8EF5-5B55DEF0BFD5}" type="datetime1">
               <a:rPr lang="en-US" smtClean="0"/>
               <a:pPr/>
-              <a:t>2/11/18</a:t>
+              <a:t>2/14/18</a:t>
             </a:fld>
             <a:endParaRPr lang="en-US"/>
           </a:p>
@@ -1834,7 +1834,7 @@
             <a:fld id="{84DB246E-8FD1-42FF-94A4-E4133095C37A}" type="datetime1">
               <a:rPr lang="en-US" smtClean="0"/>
               <a:pPr/>
-              <a:t>2/11/18</a:t>
+              <a:t>2/14/18</a:t>
             </a:fld>
             <a:endParaRPr lang="en-US"/>
           </a:p>
@@ -1954,7 +1954,7 @@
             <a:fld id="{A93939D4-B818-4372-B1EE-7CB6D5BBC74A}" type="datetime1">
               <a:rPr lang="en-US" smtClean="0"/>
               <a:pPr/>
-              <a:t>2/11/18</a:t>
+              <a:t>2/14/18</a:t>
             </a:fld>
             <a:endParaRPr lang="en-US"/>
           </a:p>
@@ -2046,7 +2046,7 @@
             <a:fld id="{2F35E438-4D0D-4834-B658-A90420491D98}" type="datetime1">
               <a:rPr lang="en-US" smtClean="0"/>
               <a:pPr/>
-              <a:t>2/11/18</a:t>
+              <a:t>2/14/18</a:t>
             </a:fld>
             <a:endParaRPr lang="en-US"/>
           </a:p>
@@ -2298,7 +2298,7 @@
             <a:fld id="{76F8ADFA-7142-4015-85E6-1712F15FA709}" type="datetime1">
               <a:rPr lang="en-US" smtClean="0"/>
               <a:pPr/>
-              <a:t>2/11/18</a:t>
+              <a:t>2/14/18</a:t>
             </a:fld>
             <a:endParaRPr lang="en-US"/>
           </a:p>
@@ -2816,7 +2816,7 @@
             <a:fld id="{34A581E0-D653-4D78-A48F-41D80498BC7E}" type="datetime1">
               <a:rPr lang="en-US" smtClean="0"/>
               <a:pPr/>
-              <a:t>2/11/18</a:t>
+              <a:t>2/14/18</a:t>
             </a:fld>
             <a:endParaRPr lang="en-US"/>
           </a:p>
@@ -3048,7 +3048,7 @@
             <a:fld id="{8B3AFFF1-9C47-49F0-AE12-AF188F3F4E82}" type="datetime1">
               <a:rPr lang="en-US" smtClean="0"/>
               <a:pPr/>
-              <a:t>2/11/18</a:t>
+              <a:t>2/14/18</a:t>
             </a:fld>
             <a:endParaRPr lang="en-US" dirty="0"/>
           </a:p>
@@ -3637,19 +3637,7 @@
           <a:p>
             <a:r>
               <a:rPr lang="en-US" dirty="0" smtClean="0"/>
-              <a:t>Part </a:t>
-            </a:r>
-            <a:r>
-              <a:rPr lang="en-US" dirty="0" smtClean="0"/>
-              <a:t>2 </a:t>
-            </a:r>
-            <a:r>
-              <a:rPr lang="en-US" dirty="0" smtClean="0"/>
-              <a:t>: </a:t>
-            </a:r>
-            <a:r>
-              <a:rPr lang="en-US" dirty="0" smtClean="0"/>
-              <a:t>minor chords</a:t>
+              <a:t>Part 2 : minor chords</a:t>
             </a:r>
             <a:endParaRPr lang="en-US" dirty="0"/>
           </a:p>
@@ -3929,15 +3917,7 @@
             </a:r>
             <a:r>
               <a:rPr lang="en-US" dirty="0" smtClean="0"/>
-              <a:t> </a:t>
-            </a:r>
-            <a:r>
-              <a:rPr lang="en-US" dirty="0" smtClean="0"/>
-              <a:t>: </a:t>
-            </a:r>
-            <a:r>
-              <a:rPr lang="en-US" dirty="0" smtClean="0"/>
-              <a:t>bar chords</a:t>
+              <a:t> : bar chords</a:t>
             </a:r>
             <a:endParaRPr lang="en-US" dirty="0"/>
           </a:p>
@@ -3997,56 +3977,132 @@
           <a:p>
             <a:r>
               <a:rPr lang="en-US" dirty="0" smtClean="0"/>
-              <a:t>Two most common bar chord shapes</a:t>
+              <a:t>Your first bar chords : F and B Major</a:t>
             </a:r>
             <a:endParaRPr lang="en-US" dirty="0"/>
           </a:p>
         </p:txBody>
       </p:sp>
-      <p:sp>
-        <p:nvSpPr>
-          <p:cNvPr id="3" name="Content Placeholder 2"/>
-          <p:cNvSpPr>
-            <a:spLocks noGrp="1"/>
-          </p:cNvSpPr>
-          <p:nvPr>
-            <p:ph sz="quarter" idx="13"/>
-          </p:nvPr>
-        </p:nvSpPr>
-        <p:spPr/>
-        <p:txBody>
-          <a:bodyPr/>
-          <a:lstStyle/>
-          <a:p>
-            <a:r>
-              <a:rPr lang="en-US" dirty="0" smtClean="0"/>
+      <p:pic>
+        <p:nvPicPr>
+          <p:cNvPr id="4" name="Picture 3" descr="F major - w2.jpg"/>
+          <p:cNvPicPr>
+            <a:picLocks noChangeAspect="1"/>
+          </p:cNvPicPr>
+          <p:nvPr/>
+        </p:nvPicPr>
+        <p:blipFill>
+          <a:blip r:embed="rId2">
+            <a:extLst>
+              <a:ext uri="{28A0092B-C50C-407E-A947-70E740481C1C}">
+                <a14:useLocalDpi xmlns:a14="http://schemas.microsoft.com/office/drawing/2010/main" val="0"/>
+              </a:ext>
+            </a:extLst>
+          </a:blip>
+          <a:stretch>
+            <a:fillRect/>
+          </a:stretch>
+        </p:blipFill>
+        <p:spPr>
+          <a:xfrm>
+            <a:off x="1365553" y="2011438"/>
+            <a:ext cx="2299304" cy="2844800"/>
+          </a:xfrm>
+          <a:prstGeom prst="rect">
+            <a:avLst/>
+          </a:prstGeom>
+        </p:spPr>
+      </p:pic>
+      <p:pic>
+        <p:nvPicPr>
+          <p:cNvPr id="5" name="Picture 4" descr="b major - w2.jpg"/>
+          <p:cNvPicPr>
+            <a:picLocks noChangeAspect="1"/>
+          </p:cNvPicPr>
+          <p:nvPr/>
+        </p:nvPicPr>
+        <p:blipFill>
+          <a:blip r:embed="rId3">
+            <a:extLst>
+              <a:ext uri="{28A0092B-C50C-407E-A947-70E740481C1C}">
+                <a14:useLocalDpi xmlns:a14="http://schemas.microsoft.com/office/drawing/2010/main" val="0"/>
+              </a:ext>
+            </a:extLst>
+          </a:blip>
+          <a:stretch>
+            <a:fillRect/>
+          </a:stretch>
+        </p:blipFill>
+        <p:spPr>
+          <a:xfrm>
+            <a:off x="5086048" y="2011438"/>
+            <a:ext cx="2273300" cy="2844800"/>
+          </a:xfrm>
+          <a:prstGeom prst="rect">
+            <a:avLst/>
+          </a:prstGeom>
+        </p:spPr>
+      </p:pic>
+      <p:sp>
+        <p:nvSpPr>
+          <p:cNvPr id="6" name="Rectangle 5"/>
+          <p:cNvSpPr/>
+          <p:nvPr/>
+        </p:nvSpPr>
+        <p:spPr>
+          <a:xfrm>
+            <a:off x="2015680" y="5155382"/>
+            <a:ext cx="879305" cy="369332"/>
+          </a:xfrm>
+          <a:prstGeom prst="rect">
+            <a:avLst/>
+          </a:prstGeom>
+        </p:spPr>
+        <p:txBody>
+          <a:bodyPr wrap="none">
+            <a:spAutoFit/>
+          </a:bodyPr>
+          <a:lstStyle/>
+          <a:p>
+            <a:r>
+              <a:rPr lang="en-US" dirty="0"/>
               <a:t>E shape</a:t>
             </a:r>
           </a:p>
-          <a:p>
-            <a:endParaRPr lang="en-US" dirty="0"/>
-          </a:p>
-          <a:p>
-            <a:endParaRPr lang="en-US" dirty="0" smtClean="0"/>
-          </a:p>
-          <a:p>
-            <a:endParaRPr lang="en-US" dirty="0"/>
-          </a:p>
-          <a:p>
-            <a:r>
-              <a:rPr lang="en-US" smtClean="0"/>
+        </p:txBody>
+      </p:sp>
+      <p:sp>
+        <p:nvSpPr>
+          <p:cNvPr id="7" name="Rectangle 6"/>
+          <p:cNvSpPr/>
+          <p:nvPr/>
+        </p:nvSpPr>
+        <p:spPr>
+          <a:xfrm>
+            <a:off x="5842960" y="5155382"/>
+            <a:ext cx="868935" cy="369332"/>
+          </a:xfrm>
+          <a:prstGeom prst="rect">
+            <a:avLst/>
+          </a:prstGeom>
+        </p:spPr>
+        <p:txBody>
+          <a:bodyPr wrap="none">
+            <a:spAutoFit/>
+          </a:bodyPr>
+          <a:lstStyle/>
+          <a:p>
+            <a:r>
+              <a:rPr lang="en-US" dirty="0"/>
               <a:t>A shape</a:t>
             </a:r>
-          </a:p>
-          <a:p>
-            <a:endParaRPr lang="en-US" dirty="0"/>
           </a:p>
         </p:txBody>
       </p:sp>
     </p:spTree>
     <p:extLst>
       <p:ext uri="{BB962C8B-B14F-4D97-AF65-F5344CB8AC3E}">
-        <p14:creationId xmlns:p14="http://schemas.microsoft.com/office/powerpoint/2010/main" val="1943664848"/>
+        <p14:creationId xmlns:p14="http://schemas.microsoft.com/office/powerpoint/2010/main" val="4048081496"/>
       </p:ext>
     </p:extLst>
   </p:cSld>
@@ -4883,11 +4939,7 @@
           <a:p>
             <a:r>
               <a:rPr lang="en-US" dirty="0" smtClean="0"/>
-              <a:t>Part 1 : </a:t>
-            </a:r>
-            <a:r>
-              <a:rPr lang="en-US" dirty="0" smtClean="0"/>
-              <a:t>week 1 review</a:t>
+              <a:t>Part 1 : week 1 review</a:t>
             </a:r>
             <a:endParaRPr lang="en-US" dirty="0"/>
           </a:p>

--- a/Assignments_Quizzes/Guitar Lessons/week 2/week 2 v1.pptx
+++ b/Assignments_Quizzes/Guitar Lessons/week 2/week 2 v1.pptx
@@ -19,6 +19,7 @@
     <p:sldId id="285" r:id="rId13"/>
     <p:sldId id="289" r:id="rId14"/>
     <p:sldId id="290" r:id="rId15"/>
+    <p:sldId id="291" r:id="rId16"/>
   </p:sldIdLst>
   <p:sldSz cx="9144000" cy="6858000" type="screen4x3"/>
   <p:notesSz cx="6858000" cy="9144000"/>
@@ -119,7 +120,7 @@
   </p:defaultTextStyle>
   <p:extLst>
     <p:ext uri="{EFAFB233-063F-42B5-8137-9DF3F51BA10A}">
-      <p15:sldGuideLst xmlns="" xmlns:p15="http://schemas.microsoft.com/office/powerpoint/2012/main">
+      <p15:sldGuideLst xmlns:p15="http://schemas.microsoft.com/office/powerpoint/2012/main" xmlns="">
         <p15:guide id="1" orient="horz" pos="2160">
           <p15:clr>
             <a:srgbClr val="A4A3A4"/>
@@ -196,7 +197,7 @@
             <a:fld id="{2233D26B-DFC2-4248-8ED0-AD3E108CBDD7}" type="datetime1">
               <a:rPr lang="en-US" smtClean="0"/>
               <a:pPr/>
-              <a:t>2/14/18</a:t>
+              <a:t>2/16/18</a:t>
             </a:fld>
             <a:endParaRPr lang="en-US"/>
           </a:p>
@@ -513,7 +514,7 @@
             <a:fld id="{E694C003-38E8-486A-9BFD-47E55D87241C}" type="datetime1">
               <a:rPr lang="en-US" smtClean="0"/>
               <a:pPr/>
-              <a:t>2/14/18</a:t>
+              <a:t>2/16/18</a:t>
             </a:fld>
             <a:endParaRPr lang="en-US"/>
           </a:p>
@@ -689,7 +690,7 @@
             <a:fld id="{E059EAA3-934B-41DB-B3B1-806F4BE5CC37}" type="datetime1">
               <a:rPr lang="en-US" smtClean="0"/>
               <a:pPr/>
-              <a:t>2/14/18</a:t>
+              <a:t>2/16/18</a:t>
             </a:fld>
             <a:endParaRPr lang="en-US"/>
           </a:p>
@@ -809,7 +810,7 @@
             <a:fld id="{8F97F932-D99A-4087-BFB1-EA42FAFC8D2C}" type="datetime1">
               <a:rPr lang="en-US" smtClean="0"/>
               <a:pPr/>
-              <a:t>2/14/18</a:t>
+              <a:t>2/16/18</a:t>
             </a:fld>
             <a:endParaRPr lang="en-US"/>
           </a:p>
@@ -1109,7 +1110,7 @@
             <a:fld id="{79C96367-2F2B-4F6E-ACF4-15FA13738E10}" type="datetime1">
               <a:rPr lang="en-US" smtClean="0"/>
               <a:pPr/>
-              <a:t>2/14/18</a:t>
+              <a:t>2/16/18</a:t>
             </a:fld>
             <a:endParaRPr lang="en-US"/>
           </a:p>
@@ -1404,7 +1405,7 @@
             <a:fld id="{8FB3498D-21C7-408B-8EF5-5B55DEF0BFD5}" type="datetime1">
               <a:rPr lang="en-US" smtClean="0"/>
               <a:pPr/>
-              <a:t>2/14/18</a:t>
+              <a:t>2/16/18</a:t>
             </a:fld>
             <a:endParaRPr lang="en-US"/>
           </a:p>
@@ -1834,7 +1835,7 @@
             <a:fld id="{84DB246E-8FD1-42FF-94A4-E4133095C37A}" type="datetime1">
               <a:rPr lang="en-US" smtClean="0"/>
               <a:pPr/>
-              <a:t>2/14/18</a:t>
+              <a:t>2/16/18</a:t>
             </a:fld>
             <a:endParaRPr lang="en-US"/>
           </a:p>
@@ -1954,7 +1955,7 @@
             <a:fld id="{A93939D4-B818-4372-B1EE-7CB6D5BBC74A}" type="datetime1">
               <a:rPr lang="en-US" smtClean="0"/>
               <a:pPr/>
-              <a:t>2/14/18</a:t>
+              <a:t>2/16/18</a:t>
             </a:fld>
             <a:endParaRPr lang="en-US"/>
           </a:p>
@@ -2046,7 +2047,7 @@
             <a:fld id="{2F35E438-4D0D-4834-B658-A90420491D98}" type="datetime1">
               <a:rPr lang="en-US" smtClean="0"/>
               <a:pPr/>
-              <a:t>2/14/18</a:t>
+              <a:t>2/16/18</a:t>
             </a:fld>
             <a:endParaRPr lang="en-US"/>
           </a:p>
@@ -2298,7 +2299,7 @@
             <a:fld id="{76F8ADFA-7142-4015-85E6-1712F15FA709}" type="datetime1">
               <a:rPr lang="en-US" smtClean="0"/>
               <a:pPr/>
-              <a:t>2/14/18</a:t>
+              <a:t>2/16/18</a:t>
             </a:fld>
             <a:endParaRPr lang="en-US"/>
           </a:p>
@@ -2816,7 +2817,7 @@
             <a:fld id="{34A581E0-D653-4D78-A48F-41D80498BC7E}" type="datetime1">
               <a:rPr lang="en-US" smtClean="0"/>
               <a:pPr/>
-              <a:t>2/14/18</a:t>
+              <a:t>2/16/18</a:t>
             </a:fld>
             <a:endParaRPr lang="en-US"/>
           </a:p>
@@ -3048,7 +3049,7 @@
             <a:fld id="{8B3AFFF1-9C47-49F0-AE12-AF188F3F4E82}" type="datetime1">
               <a:rPr lang="en-US" smtClean="0"/>
               <a:pPr/>
-              <a:t>2/14/18</a:t>
+              <a:t>2/16/18</a:t>
             </a:fld>
             <a:endParaRPr lang="en-US" dirty="0"/>
           </a:p>
@@ -4103,6 +4104,130 @@
     <p:extLst>
       <p:ext uri="{BB962C8B-B14F-4D97-AF65-F5344CB8AC3E}">
         <p14:creationId xmlns:p14="http://schemas.microsoft.com/office/powerpoint/2010/main" val="4048081496"/>
+      </p:ext>
+    </p:extLst>
+  </p:cSld>
+  <p:clrMapOvr>
+    <a:masterClrMapping/>
+  </p:clrMapOvr>
+</p:sld>
+</file>
+
+<file path=ppt/slides/slide15.xml><?xml version="1.0" encoding="utf-8"?>
+<p:sld xmlns:a="http://schemas.openxmlformats.org/drawingml/2006/main" xmlns:r="http://schemas.openxmlformats.org/officeDocument/2006/relationships" xmlns:p="http://schemas.openxmlformats.org/presentationml/2006/main">
+  <p:cSld>
+    <p:spTree>
+      <p:nvGrpSpPr>
+        <p:cNvPr id="1" name=""/>
+        <p:cNvGrpSpPr/>
+        <p:nvPr/>
+      </p:nvGrpSpPr>
+      <p:grpSpPr>
+        <a:xfrm>
+          <a:off x="0" y="0"/>
+          <a:ext cx="0" cy="0"/>
+          <a:chOff x="0" y="0"/>
+          <a:chExt cx="0" cy="0"/>
+        </a:xfrm>
+      </p:grpSpPr>
+      <p:sp>
+        <p:nvSpPr>
+          <p:cNvPr id="2" name="Title 1"/>
+          <p:cNvSpPr>
+            <a:spLocks noGrp="1"/>
+          </p:cNvSpPr>
+          <p:nvPr>
+            <p:ph type="title"/>
+          </p:nvPr>
+        </p:nvSpPr>
+        <p:spPr/>
+        <p:txBody>
+          <a:bodyPr/>
+          <a:lstStyle/>
+          <a:p>
+            <a:r>
+              <a:rPr lang="en-US" dirty="0" smtClean="0"/>
+              <a:t>Your chord portfolio</a:t>
+            </a:r>
+            <a:endParaRPr lang="en-US" dirty="0"/>
+          </a:p>
+        </p:txBody>
+      </p:sp>
+      <p:sp>
+        <p:nvSpPr>
+          <p:cNvPr id="3" name="Content Placeholder 2"/>
+          <p:cNvSpPr>
+            <a:spLocks noGrp="1"/>
+          </p:cNvSpPr>
+          <p:nvPr>
+            <p:ph sz="quarter" idx="13"/>
+          </p:nvPr>
+        </p:nvSpPr>
+        <p:spPr/>
+        <p:txBody>
+          <a:bodyPr>
+            <a:normAutofit/>
+          </a:bodyPr>
+          <a:lstStyle/>
+          <a:p>
+            <a:r>
+              <a:rPr lang="en-US" sz="2800" dirty="0" smtClean="0"/>
+              <a:t>CAGED</a:t>
+            </a:r>
+          </a:p>
+          <a:p>
+            <a:r>
+              <a:rPr lang="en-US" sz="2800" dirty="0" smtClean="0"/>
+              <a:t>Am and </a:t>
+            </a:r>
+            <a:r>
+              <a:rPr lang="en-US" sz="2800" dirty="0" err="1" smtClean="0"/>
+              <a:t>Em</a:t>
+            </a:r>
+            <a:endParaRPr lang="en-US" sz="2800" dirty="0" smtClean="0"/>
+          </a:p>
+          <a:p>
+            <a:r>
+              <a:rPr lang="en-US" sz="2800" dirty="0" smtClean="0"/>
+              <a:t>F and B</a:t>
+            </a:r>
+          </a:p>
+          <a:p>
+            <a:endParaRPr lang="en-US" sz="2800" dirty="0" smtClean="0"/>
+          </a:p>
+          <a:p>
+            <a:r>
+              <a:rPr lang="en-US" sz="2800" dirty="0" smtClean="0"/>
+              <a:t>Bonus : </a:t>
+            </a:r>
+            <a:r>
+              <a:rPr lang="en-US" sz="2800" dirty="0" err="1" smtClean="0"/>
+              <a:t>Bm</a:t>
+            </a:r>
+            <a:r>
+              <a:rPr lang="en-US" sz="2800" dirty="0" smtClean="0"/>
+              <a:t>, </a:t>
+            </a:r>
+            <a:r>
+              <a:rPr lang="en-US" sz="2800" dirty="0" err="1" smtClean="0"/>
+              <a:t>C#m</a:t>
+            </a:r>
+            <a:r>
+              <a:rPr lang="en-US" sz="2800" dirty="0" smtClean="0"/>
+              <a:t>, </a:t>
+            </a:r>
+            <a:r>
+              <a:rPr lang="en-US" sz="2800" dirty="0" err="1" smtClean="0"/>
+              <a:t>F#m</a:t>
+            </a:r>
+            <a:endParaRPr lang="en-US" sz="2800" dirty="0"/>
+          </a:p>
+        </p:txBody>
+      </p:sp>
+    </p:spTree>
+    <p:extLst>
+      <p:ext uri="{BB962C8B-B14F-4D97-AF65-F5344CB8AC3E}">
+        <p14:creationId xmlns:p14="http://schemas.microsoft.com/office/powerpoint/2010/main" val="3675213819"/>
       </p:ext>
     </p:extLst>
   </p:cSld>
